--- a/contents/doc/Algorithm.pptx
+++ b/contents/doc/Algorithm.pptx
@@ -15,7 +15,8 @@
     <p:sldId id="263" r:id="rId9"/>
     <p:sldId id="264" r:id="rId10"/>
     <p:sldId id="265" r:id="rId11"/>
-    <p:sldId id="266" r:id="rId12"/>
+    <p:sldId id="267" r:id="rId12"/>
+    <p:sldId id="266" r:id="rId13"/>
   </p:sldIdLst>
   <p:sldSz cx="12192000" cy="6858000"/>
   <p:notesSz cx="6858000" cy="9144000"/>
@@ -253,7 +254,7 @@
           <a:p>
             <a:fld id="{9E6A7413-A0D5-4FBF-97E1-006B12F77A13}" type="datetimeFigureOut">
               <a:rPr lang="en-US" smtClean="0"/>
-              <a:t>11/10/2017</a:t>
+              <a:t>11/15/2017</a:t>
             </a:fld>
             <a:endParaRPr lang="en-US"/>
           </a:p>
@@ -423,7 +424,7 @@
           <a:p>
             <a:fld id="{9E6A7413-A0D5-4FBF-97E1-006B12F77A13}" type="datetimeFigureOut">
               <a:rPr lang="en-US" smtClean="0"/>
-              <a:t>11/10/2017</a:t>
+              <a:t>11/15/2017</a:t>
             </a:fld>
             <a:endParaRPr lang="en-US"/>
           </a:p>
@@ -603,7 +604,7 @@
           <a:p>
             <a:fld id="{9E6A7413-A0D5-4FBF-97E1-006B12F77A13}" type="datetimeFigureOut">
               <a:rPr lang="en-US" smtClean="0"/>
-              <a:t>11/10/2017</a:t>
+              <a:t>11/15/2017</a:t>
             </a:fld>
             <a:endParaRPr lang="en-US"/>
           </a:p>
@@ -773,7 +774,7 @@
           <a:p>
             <a:fld id="{9E6A7413-A0D5-4FBF-97E1-006B12F77A13}" type="datetimeFigureOut">
               <a:rPr lang="en-US" smtClean="0"/>
-              <a:t>11/10/2017</a:t>
+              <a:t>11/15/2017</a:t>
             </a:fld>
             <a:endParaRPr lang="en-US"/>
           </a:p>
@@ -1019,7 +1020,7 @@
           <a:p>
             <a:fld id="{9E6A7413-A0D5-4FBF-97E1-006B12F77A13}" type="datetimeFigureOut">
               <a:rPr lang="en-US" smtClean="0"/>
-              <a:t>11/10/2017</a:t>
+              <a:t>11/15/2017</a:t>
             </a:fld>
             <a:endParaRPr lang="en-US"/>
           </a:p>
@@ -1251,7 +1252,7 @@
           <a:p>
             <a:fld id="{9E6A7413-A0D5-4FBF-97E1-006B12F77A13}" type="datetimeFigureOut">
               <a:rPr lang="en-US" smtClean="0"/>
-              <a:t>11/10/2017</a:t>
+              <a:t>11/15/2017</a:t>
             </a:fld>
             <a:endParaRPr lang="en-US"/>
           </a:p>
@@ -1618,7 +1619,7 @@
           <a:p>
             <a:fld id="{9E6A7413-A0D5-4FBF-97E1-006B12F77A13}" type="datetimeFigureOut">
               <a:rPr lang="en-US" smtClean="0"/>
-              <a:t>11/10/2017</a:t>
+              <a:t>11/15/2017</a:t>
             </a:fld>
             <a:endParaRPr lang="en-US"/>
           </a:p>
@@ -1736,7 +1737,7 @@
           <a:p>
             <a:fld id="{9E6A7413-A0D5-4FBF-97E1-006B12F77A13}" type="datetimeFigureOut">
               <a:rPr lang="en-US" smtClean="0"/>
-              <a:t>11/10/2017</a:t>
+              <a:t>11/15/2017</a:t>
             </a:fld>
             <a:endParaRPr lang="en-US"/>
           </a:p>
@@ -1831,7 +1832,7 @@
           <a:p>
             <a:fld id="{9E6A7413-A0D5-4FBF-97E1-006B12F77A13}" type="datetimeFigureOut">
               <a:rPr lang="en-US" smtClean="0"/>
-              <a:t>11/10/2017</a:t>
+              <a:t>11/15/2017</a:t>
             </a:fld>
             <a:endParaRPr lang="en-US"/>
           </a:p>
@@ -2108,7 +2109,7 @@
           <a:p>
             <a:fld id="{9E6A7413-A0D5-4FBF-97E1-006B12F77A13}" type="datetimeFigureOut">
               <a:rPr lang="en-US" smtClean="0"/>
-              <a:t>11/10/2017</a:t>
+              <a:t>11/15/2017</a:t>
             </a:fld>
             <a:endParaRPr lang="en-US"/>
           </a:p>
@@ -2361,7 +2362,7 @@
           <a:p>
             <a:fld id="{9E6A7413-A0D5-4FBF-97E1-006B12F77A13}" type="datetimeFigureOut">
               <a:rPr lang="en-US" smtClean="0"/>
-              <a:t>11/10/2017</a:t>
+              <a:t>11/15/2017</a:t>
             </a:fld>
             <a:endParaRPr lang="en-US"/>
           </a:p>
@@ -2574,7 +2575,7 @@
           <a:p>
             <a:fld id="{9E6A7413-A0D5-4FBF-97E1-006B12F77A13}" type="datetimeFigureOut">
               <a:rPr lang="en-US" smtClean="0"/>
-              <a:t>11/10/2017</a:t>
+              <a:t>11/15/2017</a:t>
             </a:fld>
             <a:endParaRPr lang="en-US"/>
           </a:p>
@@ -3943,6 +3944,30 @@
           </a:p>
         </p:txBody>
       </p:sp>
+      <p:pic>
+        <p:nvPicPr>
+          <p:cNvPr id="3" name="Picture 2"/>
+          <p:cNvPicPr>
+            <a:picLocks noChangeAspect="1"/>
+          </p:cNvPicPr>
+          <p:nvPr/>
+        </p:nvPicPr>
+        <p:blipFill>
+          <a:blip r:embed="rId2"/>
+          <a:stretch>
+            <a:fillRect/>
+          </a:stretch>
+        </p:blipFill>
+        <p:spPr>
+          <a:xfrm>
+            <a:off x="4081462" y="1905000"/>
+            <a:ext cx="4029075" cy="3048000"/>
+          </a:xfrm>
+          <a:prstGeom prst="rect">
+            <a:avLst/>
+          </a:prstGeom>
+        </p:spPr>
+      </p:pic>
     </p:spTree>
     <p:extLst>
       <p:ext uri="{BB962C8B-B14F-4D97-AF65-F5344CB8AC3E}">
@@ -3957,6 +3982,95 @@
 </file>
 
 <file path=ppt/slides/slide11.xml><?xml version="1.0" encoding="utf-8"?>
+<p:sld xmlns:a="http://schemas.openxmlformats.org/drawingml/2006/main" xmlns:r="http://schemas.openxmlformats.org/officeDocument/2006/relationships" xmlns:p="http://schemas.openxmlformats.org/presentationml/2006/main">
+  <p:cSld>
+    <p:spTree>
+      <p:nvGrpSpPr>
+        <p:cNvPr id="1" name=""/>
+        <p:cNvGrpSpPr/>
+        <p:nvPr/>
+      </p:nvGrpSpPr>
+      <p:grpSpPr>
+        <a:xfrm>
+          <a:off x="0" y="0"/>
+          <a:ext cx="0" cy="0"/>
+          <a:chOff x="0" y="0"/>
+          <a:chExt cx="0" cy="0"/>
+        </a:xfrm>
+      </p:grpSpPr>
+      <p:sp>
+        <p:nvSpPr>
+          <p:cNvPr id="52" name="Rectangle 51"/>
+          <p:cNvSpPr/>
+          <p:nvPr/>
+        </p:nvSpPr>
+        <p:spPr>
+          <a:xfrm>
+            <a:off x="296864" y="3538580"/>
+            <a:ext cx="765316" cy="276999"/>
+          </a:xfrm>
+          <a:prstGeom prst="rect">
+            <a:avLst/>
+          </a:prstGeom>
+          <a:solidFill>
+            <a:schemeClr val="bg1"/>
+          </a:solidFill>
+        </p:spPr>
+        <p:txBody>
+          <a:bodyPr wrap="square">
+            <a:spAutoFit/>
+          </a:bodyPr>
+          <a:lstStyle/>
+          <a:p>
+            <a:endParaRPr lang="en-US" sz="1200" dirty="0">
+              <a:solidFill>
+                <a:schemeClr val="tx1">
+                  <a:lumMod val="50000"/>
+                  <a:lumOff val="50000"/>
+                </a:schemeClr>
+              </a:solidFill>
+            </a:endParaRPr>
+          </a:p>
+        </p:txBody>
+      </p:sp>
+      <p:pic>
+        <p:nvPicPr>
+          <p:cNvPr id="2" name="Picture 1"/>
+          <p:cNvPicPr>
+            <a:picLocks noChangeAspect="1"/>
+          </p:cNvPicPr>
+          <p:nvPr/>
+        </p:nvPicPr>
+        <p:blipFill>
+          <a:blip r:embed="rId2"/>
+          <a:stretch>
+            <a:fillRect/>
+          </a:stretch>
+        </p:blipFill>
+        <p:spPr>
+          <a:xfrm>
+            <a:off x="4029075" y="1881187"/>
+            <a:ext cx="4133850" cy="3095625"/>
+          </a:xfrm>
+          <a:prstGeom prst="rect">
+            <a:avLst/>
+          </a:prstGeom>
+        </p:spPr>
+      </p:pic>
+    </p:spTree>
+    <p:extLst>
+      <p:ext uri="{BB962C8B-B14F-4D97-AF65-F5344CB8AC3E}">
+        <p14:creationId xmlns:p14="http://schemas.microsoft.com/office/powerpoint/2010/main" val="2976876894"/>
+      </p:ext>
+    </p:extLst>
+  </p:cSld>
+  <p:clrMapOvr>
+    <a:masterClrMapping/>
+  </p:clrMapOvr>
+</p:sld>
+</file>
+
+<file path=ppt/slides/slide12.xml><?xml version="1.0" encoding="utf-8"?>
 <p:sld xmlns:a="http://schemas.openxmlformats.org/drawingml/2006/main" xmlns:r="http://schemas.openxmlformats.org/officeDocument/2006/relationships" xmlns:p="http://schemas.openxmlformats.org/presentationml/2006/main">
   <p:cSld>
     <p:spTree>

--- a/contents/doc/Algorithm.pptx
+++ b/contents/doc/Algorithm.pptx
@@ -17,6 +17,9 @@
     <p:sldId id="265" r:id="rId11"/>
     <p:sldId id="267" r:id="rId12"/>
     <p:sldId id="266" r:id="rId13"/>
+    <p:sldId id="268" r:id="rId14"/>
+    <p:sldId id="269" r:id="rId15"/>
+    <p:sldId id="270" r:id="rId16"/>
   </p:sldIdLst>
   <p:sldSz cx="12192000" cy="6858000"/>
   <p:notesSz cx="6858000" cy="9144000"/>
@@ -254,7 +257,7 @@
           <a:p>
             <a:fld id="{9E6A7413-A0D5-4FBF-97E1-006B12F77A13}" type="datetimeFigureOut">
               <a:rPr lang="en-US" smtClean="0"/>
-              <a:t>11/15/2017</a:t>
+              <a:t>11/20/2017</a:t>
             </a:fld>
             <a:endParaRPr lang="en-US"/>
           </a:p>
@@ -424,7 +427,7 @@
           <a:p>
             <a:fld id="{9E6A7413-A0D5-4FBF-97E1-006B12F77A13}" type="datetimeFigureOut">
               <a:rPr lang="en-US" smtClean="0"/>
-              <a:t>11/15/2017</a:t>
+              <a:t>11/20/2017</a:t>
             </a:fld>
             <a:endParaRPr lang="en-US"/>
           </a:p>
@@ -604,7 +607,7 @@
           <a:p>
             <a:fld id="{9E6A7413-A0D5-4FBF-97E1-006B12F77A13}" type="datetimeFigureOut">
               <a:rPr lang="en-US" smtClean="0"/>
-              <a:t>11/15/2017</a:t>
+              <a:t>11/20/2017</a:t>
             </a:fld>
             <a:endParaRPr lang="en-US"/>
           </a:p>
@@ -774,7 +777,7 @@
           <a:p>
             <a:fld id="{9E6A7413-A0D5-4FBF-97E1-006B12F77A13}" type="datetimeFigureOut">
               <a:rPr lang="en-US" smtClean="0"/>
-              <a:t>11/15/2017</a:t>
+              <a:t>11/20/2017</a:t>
             </a:fld>
             <a:endParaRPr lang="en-US"/>
           </a:p>
@@ -1020,7 +1023,7 @@
           <a:p>
             <a:fld id="{9E6A7413-A0D5-4FBF-97E1-006B12F77A13}" type="datetimeFigureOut">
               <a:rPr lang="en-US" smtClean="0"/>
-              <a:t>11/15/2017</a:t>
+              <a:t>11/20/2017</a:t>
             </a:fld>
             <a:endParaRPr lang="en-US"/>
           </a:p>
@@ -1252,7 +1255,7 @@
           <a:p>
             <a:fld id="{9E6A7413-A0D5-4FBF-97E1-006B12F77A13}" type="datetimeFigureOut">
               <a:rPr lang="en-US" smtClean="0"/>
-              <a:t>11/15/2017</a:t>
+              <a:t>11/20/2017</a:t>
             </a:fld>
             <a:endParaRPr lang="en-US"/>
           </a:p>
@@ -1619,7 +1622,7 @@
           <a:p>
             <a:fld id="{9E6A7413-A0D5-4FBF-97E1-006B12F77A13}" type="datetimeFigureOut">
               <a:rPr lang="en-US" smtClean="0"/>
-              <a:t>11/15/2017</a:t>
+              <a:t>11/20/2017</a:t>
             </a:fld>
             <a:endParaRPr lang="en-US"/>
           </a:p>
@@ -1737,7 +1740,7 @@
           <a:p>
             <a:fld id="{9E6A7413-A0D5-4FBF-97E1-006B12F77A13}" type="datetimeFigureOut">
               <a:rPr lang="en-US" smtClean="0"/>
-              <a:t>11/15/2017</a:t>
+              <a:t>11/20/2017</a:t>
             </a:fld>
             <a:endParaRPr lang="en-US"/>
           </a:p>
@@ -1832,7 +1835,7 @@
           <a:p>
             <a:fld id="{9E6A7413-A0D5-4FBF-97E1-006B12F77A13}" type="datetimeFigureOut">
               <a:rPr lang="en-US" smtClean="0"/>
-              <a:t>11/15/2017</a:t>
+              <a:t>11/20/2017</a:t>
             </a:fld>
             <a:endParaRPr lang="en-US"/>
           </a:p>
@@ -2109,7 +2112,7 @@
           <a:p>
             <a:fld id="{9E6A7413-A0D5-4FBF-97E1-006B12F77A13}" type="datetimeFigureOut">
               <a:rPr lang="en-US" smtClean="0"/>
-              <a:t>11/15/2017</a:t>
+              <a:t>11/20/2017</a:t>
             </a:fld>
             <a:endParaRPr lang="en-US"/>
           </a:p>
@@ -2362,7 +2365,7 @@
           <a:p>
             <a:fld id="{9E6A7413-A0D5-4FBF-97E1-006B12F77A13}" type="datetimeFigureOut">
               <a:rPr lang="en-US" smtClean="0"/>
-              <a:t>11/15/2017</a:t>
+              <a:t>11/20/2017</a:t>
             </a:fld>
             <a:endParaRPr lang="en-US"/>
           </a:p>
@@ -2575,7 +2578,7 @@
           <a:p>
             <a:fld id="{9E6A7413-A0D5-4FBF-97E1-006B12F77A13}" type="datetimeFigureOut">
               <a:rPr lang="en-US" smtClean="0"/>
-              <a:t>11/15/2017</a:t>
+              <a:t>11/20/2017</a:t>
             </a:fld>
             <a:endParaRPr lang="en-US"/>
           </a:p>
@@ -4122,10 +4125,451 @@
           </a:p>
         </p:txBody>
       </p:sp>
+      <p:pic>
+        <p:nvPicPr>
+          <p:cNvPr id="3" name="Picture 2"/>
+          <p:cNvPicPr>
+            <a:picLocks noChangeAspect="1"/>
+          </p:cNvPicPr>
+          <p:nvPr/>
+        </p:nvPicPr>
+        <p:blipFill>
+          <a:blip r:embed="rId2"/>
+          <a:stretch>
+            <a:fillRect/>
+          </a:stretch>
+        </p:blipFill>
+        <p:spPr>
+          <a:xfrm>
+            <a:off x="2377292" y="1058817"/>
+            <a:ext cx="2981325" cy="619125"/>
+          </a:xfrm>
+          <a:prstGeom prst="rect">
+            <a:avLst/>
+          </a:prstGeom>
+        </p:spPr>
+      </p:pic>
+      <p:sp>
+        <p:nvSpPr>
+          <p:cNvPr id="5" name="Rectangle 4"/>
+          <p:cNvSpPr/>
+          <p:nvPr/>
+        </p:nvSpPr>
+        <p:spPr>
+          <a:xfrm>
+            <a:off x="2519096" y="1587789"/>
+            <a:ext cx="993092" cy="276999"/>
+          </a:xfrm>
+          <a:prstGeom prst="rect">
+            <a:avLst/>
+          </a:prstGeom>
+        </p:spPr>
+        <p:txBody>
+          <a:bodyPr wrap="none">
+            <a:spAutoFit/>
+          </a:bodyPr>
+          <a:lstStyle/>
+          <a:p>
+            <a:r>
+              <a:rPr lang="en-US" sz="1200" dirty="0" smtClean="0"/>
+              <a:t>Ordered Part</a:t>
+            </a:r>
+            <a:endParaRPr lang="en-US" sz="1200" dirty="0"/>
+          </a:p>
+        </p:txBody>
+      </p:sp>
+      <p:sp>
+        <p:nvSpPr>
+          <p:cNvPr id="6" name="Rectangle 5"/>
+          <p:cNvSpPr/>
+          <p:nvPr/>
+        </p:nvSpPr>
+        <p:spPr>
+          <a:xfrm>
+            <a:off x="3855075" y="1587789"/>
+            <a:ext cx="1151790" cy="276999"/>
+          </a:xfrm>
+          <a:prstGeom prst="rect">
+            <a:avLst/>
+          </a:prstGeom>
+        </p:spPr>
+        <p:txBody>
+          <a:bodyPr wrap="none">
+            <a:spAutoFit/>
+          </a:bodyPr>
+          <a:lstStyle/>
+          <a:p>
+            <a:r>
+              <a:rPr lang="en-US" sz="1200" dirty="0" smtClean="0"/>
+              <a:t>Unordered Part</a:t>
+            </a:r>
+            <a:endParaRPr lang="en-US" sz="1200" dirty="0"/>
+          </a:p>
+        </p:txBody>
+      </p:sp>
+      <p:pic>
+        <p:nvPicPr>
+          <p:cNvPr id="4" name="Picture 3"/>
+          <p:cNvPicPr>
+            <a:picLocks noChangeAspect="1"/>
+          </p:cNvPicPr>
+          <p:nvPr/>
+        </p:nvPicPr>
+        <p:blipFill>
+          <a:blip r:embed="rId3"/>
+          <a:stretch>
+            <a:fillRect/>
+          </a:stretch>
+        </p:blipFill>
+        <p:spPr>
+          <a:xfrm>
+            <a:off x="2654925" y="2471737"/>
+            <a:ext cx="2400300" cy="542925"/>
+          </a:xfrm>
+          <a:prstGeom prst="rect">
+            <a:avLst/>
+          </a:prstGeom>
+        </p:spPr>
+      </p:pic>
+      <p:sp>
+        <p:nvSpPr>
+          <p:cNvPr id="8" name="Rectangle 7"/>
+          <p:cNvSpPr/>
+          <p:nvPr/>
+        </p:nvSpPr>
+        <p:spPr>
+          <a:xfrm>
+            <a:off x="2861983" y="2942183"/>
+            <a:ext cx="993092" cy="276999"/>
+          </a:xfrm>
+          <a:prstGeom prst="rect">
+            <a:avLst/>
+          </a:prstGeom>
+        </p:spPr>
+        <p:txBody>
+          <a:bodyPr wrap="none">
+            <a:spAutoFit/>
+          </a:bodyPr>
+          <a:lstStyle/>
+          <a:p>
+            <a:r>
+              <a:rPr lang="en-US" sz="1200" dirty="0" smtClean="0"/>
+              <a:t>Ordered Part</a:t>
+            </a:r>
+            <a:endParaRPr lang="en-US" sz="1200" dirty="0"/>
+          </a:p>
+        </p:txBody>
+      </p:sp>
+      <p:sp>
+        <p:nvSpPr>
+          <p:cNvPr id="9" name="Rectangle 8"/>
+          <p:cNvSpPr/>
+          <p:nvPr/>
+        </p:nvSpPr>
+        <p:spPr>
+          <a:xfrm>
+            <a:off x="3927615" y="2942183"/>
+            <a:ext cx="1151790" cy="276999"/>
+          </a:xfrm>
+          <a:prstGeom prst="rect">
+            <a:avLst/>
+          </a:prstGeom>
+        </p:spPr>
+        <p:txBody>
+          <a:bodyPr wrap="none">
+            <a:spAutoFit/>
+          </a:bodyPr>
+          <a:lstStyle/>
+          <a:p>
+            <a:r>
+              <a:rPr lang="en-US" sz="1200" dirty="0" smtClean="0"/>
+              <a:t>Unordered Part</a:t>
+            </a:r>
+            <a:endParaRPr lang="en-US" sz="1200" dirty="0"/>
+          </a:p>
+        </p:txBody>
+      </p:sp>
+      <p:pic>
+        <p:nvPicPr>
+          <p:cNvPr id="10" name="Picture 9"/>
+          <p:cNvPicPr>
+            <a:picLocks noChangeAspect="1"/>
+          </p:cNvPicPr>
+          <p:nvPr/>
+        </p:nvPicPr>
+        <p:blipFill>
+          <a:blip r:embed="rId4"/>
+          <a:stretch>
+            <a:fillRect/>
+          </a:stretch>
+        </p:blipFill>
+        <p:spPr>
+          <a:xfrm>
+            <a:off x="5500421" y="1135017"/>
+            <a:ext cx="2390775" cy="542925"/>
+          </a:xfrm>
+          <a:prstGeom prst="rect">
+            <a:avLst/>
+          </a:prstGeom>
+        </p:spPr>
+      </p:pic>
+      <p:sp>
+        <p:nvSpPr>
+          <p:cNvPr id="12" name="Rectangle 11"/>
+          <p:cNvSpPr/>
+          <p:nvPr/>
+        </p:nvSpPr>
+        <p:spPr>
+          <a:xfrm>
+            <a:off x="6001072" y="1587788"/>
+            <a:ext cx="993092" cy="276999"/>
+          </a:xfrm>
+          <a:prstGeom prst="rect">
+            <a:avLst/>
+          </a:prstGeom>
+        </p:spPr>
+        <p:txBody>
+          <a:bodyPr wrap="none">
+            <a:spAutoFit/>
+          </a:bodyPr>
+          <a:lstStyle/>
+          <a:p>
+            <a:r>
+              <a:rPr lang="en-US" sz="1200" dirty="0" smtClean="0"/>
+              <a:t>Ordered Part</a:t>
+            </a:r>
+            <a:endParaRPr lang="en-US" sz="1200" dirty="0"/>
+          </a:p>
+        </p:txBody>
+      </p:sp>
+      <p:sp>
+        <p:nvSpPr>
+          <p:cNvPr id="13" name="Rectangle 12"/>
+          <p:cNvSpPr/>
+          <p:nvPr/>
+        </p:nvSpPr>
+        <p:spPr>
+          <a:xfrm>
+            <a:off x="7135968" y="1587788"/>
+            <a:ext cx="1151790" cy="276999"/>
+          </a:xfrm>
+          <a:prstGeom prst="rect">
+            <a:avLst/>
+          </a:prstGeom>
+        </p:spPr>
+        <p:txBody>
+          <a:bodyPr wrap="none">
+            <a:spAutoFit/>
+          </a:bodyPr>
+          <a:lstStyle/>
+          <a:p>
+            <a:r>
+              <a:rPr lang="en-US" sz="1200" dirty="0" smtClean="0"/>
+              <a:t>Unordered Part</a:t>
+            </a:r>
+            <a:endParaRPr lang="en-US" sz="1200" dirty="0"/>
+          </a:p>
+        </p:txBody>
+      </p:sp>
     </p:spTree>
     <p:extLst>
       <p:ext uri="{BB962C8B-B14F-4D97-AF65-F5344CB8AC3E}">
         <p14:creationId xmlns:p14="http://schemas.microsoft.com/office/powerpoint/2010/main" val="4060554198"/>
+      </p:ext>
+    </p:extLst>
+  </p:cSld>
+  <p:clrMapOvr>
+    <a:masterClrMapping/>
+  </p:clrMapOvr>
+</p:sld>
+</file>
+
+<file path=ppt/slides/slide13.xml><?xml version="1.0" encoding="utf-8"?>
+<p:sld xmlns:a="http://schemas.openxmlformats.org/drawingml/2006/main" xmlns:r="http://schemas.openxmlformats.org/officeDocument/2006/relationships" xmlns:p="http://schemas.openxmlformats.org/presentationml/2006/main">
+  <p:cSld>
+    <p:spTree>
+      <p:nvGrpSpPr>
+        <p:cNvPr id="1" name=""/>
+        <p:cNvGrpSpPr/>
+        <p:nvPr/>
+      </p:nvGrpSpPr>
+      <p:grpSpPr>
+        <a:xfrm>
+          <a:off x="0" y="0"/>
+          <a:ext cx="0" cy="0"/>
+          <a:chOff x="0" y="0"/>
+          <a:chExt cx="0" cy="0"/>
+        </a:xfrm>
+      </p:grpSpPr>
+      <p:sp>
+        <p:nvSpPr>
+          <p:cNvPr id="52" name="Rectangle 51"/>
+          <p:cNvSpPr/>
+          <p:nvPr/>
+        </p:nvSpPr>
+        <p:spPr>
+          <a:xfrm>
+            <a:off x="296864" y="3538580"/>
+            <a:ext cx="765316" cy="276999"/>
+          </a:xfrm>
+          <a:prstGeom prst="rect">
+            <a:avLst/>
+          </a:prstGeom>
+          <a:solidFill>
+            <a:schemeClr val="bg1"/>
+          </a:solidFill>
+        </p:spPr>
+        <p:txBody>
+          <a:bodyPr wrap="square">
+            <a:spAutoFit/>
+          </a:bodyPr>
+          <a:lstStyle/>
+          <a:p>
+            <a:endParaRPr lang="en-US" sz="1200" dirty="0">
+              <a:solidFill>
+                <a:schemeClr val="tx1">
+                  <a:lumMod val="50000"/>
+                  <a:lumOff val="50000"/>
+                </a:schemeClr>
+              </a:solidFill>
+            </a:endParaRPr>
+          </a:p>
+        </p:txBody>
+      </p:sp>
+    </p:spTree>
+    <p:extLst>
+      <p:ext uri="{BB962C8B-B14F-4D97-AF65-F5344CB8AC3E}">
+        <p14:creationId xmlns:p14="http://schemas.microsoft.com/office/powerpoint/2010/main" val="1394298770"/>
+      </p:ext>
+    </p:extLst>
+  </p:cSld>
+  <p:clrMapOvr>
+    <a:masterClrMapping/>
+  </p:clrMapOvr>
+</p:sld>
+</file>
+
+<file path=ppt/slides/slide14.xml><?xml version="1.0" encoding="utf-8"?>
+<p:sld xmlns:a="http://schemas.openxmlformats.org/drawingml/2006/main" xmlns:r="http://schemas.openxmlformats.org/officeDocument/2006/relationships" xmlns:p="http://schemas.openxmlformats.org/presentationml/2006/main">
+  <p:cSld>
+    <p:spTree>
+      <p:nvGrpSpPr>
+        <p:cNvPr id="1" name=""/>
+        <p:cNvGrpSpPr/>
+        <p:nvPr/>
+      </p:nvGrpSpPr>
+      <p:grpSpPr>
+        <a:xfrm>
+          <a:off x="0" y="0"/>
+          <a:ext cx="0" cy="0"/>
+          <a:chOff x="0" y="0"/>
+          <a:chExt cx="0" cy="0"/>
+        </a:xfrm>
+      </p:grpSpPr>
+      <p:sp>
+        <p:nvSpPr>
+          <p:cNvPr id="52" name="Rectangle 51"/>
+          <p:cNvSpPr/>
+          <p:nvPr/>
+        </p:nvSpPr>
+        <p:spPr>
+          <a:xfrm>
+            <a:off x="296864" y="3538580"/>
+            <a:ext cx="765316" cy="276999"/>
+          </a:xfrm>
+          <a:prstGeom prst="rect">
+            <a:avLst/>
+          </a:prstGeom>
+          <a:solidFill>
+            <a:schemeClr val="bg1"/>
+          </a:solidFill>
+        </p:spPr>
+        <p:txBody>
+          <a:bodyPr wrap="square">
+            <a:spAutoFit/>
+          </a:bodyPr>
+          <a:lstStyle/>
+          <a:p>
+            <a:endParaRPr lang="en-US" sz="1200" dirty="0">
+              <a:solidFill>
+                <a:schemeClr val="tx1">
+                  <a:lumMod val="50000"/>
+                  <a:lumOff val="50000"/>
+                </a:schemeClr>
+              </a:solidFill>
+            </a:endParaRPr>
+          </a:p>
+        </p:txBody>
+      </p:sp>
+    </p:spTree>
+    <p:extLst>
+      <p:ext uri="{BB962C8B-B14F-4D97-AF65-F5344CB8AC3E}">
+        <p14:creationId xmlns:p14="http://schemas.microsoft.com/office/powerpoint/2010/main" val="2886064549"/>
+      </p:ext>
+    </p:extLst>
+  </p:cSld>
+  <p:clrMapOvr>
+    <a:masterClrMapping/>
+  </p:clrMapOvr>
+</p:sld>
+</file>
+
+<file path=ppt/slides/slide15.xml><?xml version="1.0" encoding="utf-8"?>
+<p:sld xmlns:a="http://schemas.openxmlformats.org/drawingml/2006/main" xmlns:r="http://schemas.openxmlformats.org/officeDocument/2006/relationships" xmlns:p="http://schemas.openxmlformats.org/presentationml/2006/main">
+  <p:cSld>
+    <p:spTree>
+      <p:nvGrpSpPr>
+        <p:cNvPr id="1" name=""/>
+        <p:cNvGrpSpPr/>
+        <p:nvPr/>
+      </p:nvGrpSpPr>
+      <p:grpSpPr>
+        <a:xfrm>
+          <a:off x="0" y="0"/>
+          <a:ext cx="0" cy="0"/>
+          <a:chOff x="0" y="0"/>
+          <a:chExt cx="0" cy="0"/>
+        </a:xfrm>
+      </p:grpSpPr>
+      <p:sp>
+        <p:nvSpPr>
+          <p:cNvPr id="52" name="Rectangle 51"/>
+          <p:cNvSpPr/>
+          <p:nvPr/>
+        </p:nvSpPr>
+        <p:spPr>
+          <a:xfrm>
+            <a:off x="296864" y="3538580"/>
+            <a:ext cx="765316" cy="276999"/>
+          </a:xfrm>
+          <a:prstGeom prst="rect">
+            <a:avLst/>
+          </a:prstGeom>
+          <a:solidFill>
+            <a:schemeClr val="bg1"/>
+          </a:solidFill>
+        </p:spPr>
+        <p:txBody>
+          <a:bodyPr wrap="square">
+            <a:spAutoFit/>
+          </a:bodyPr>
+          <a:lstStyle/>
+          <a:p>
+            <a:endParaRPr lang="en-US" sz="1200" dirty="0">
+              <a:solidFill>
+                <a:schemeClr val="tx1">
+                  <a:lumMod val="50000"/>
+                  <a:lumOff val="50000"/>
+                </a:schemeClr>
+              </a:solidFill>
+            </a:endParaRPr>
+          </a:p>
+        </p:txBody>
+      </p:sp>
+    </p:spTree>
+    <p:extLst>
+      <p:ext uri="{BB962C8B-B14F-4D97-AF65-F5344CB8AC3E}">
+        <p14:creationId xmlns:p14="http://schemas.microsoft.com/office/powerpoint/2010/main" val="3287778800"/>
       </p:ext>
     </p:extLst>
   </p:cSld>

--- a/contents/doc/Algorithm.pptx
+++ b/contents/doc/Algorithm.pptx
@@ -257,7 +257,7 @@
           <a:p>
             <a:fld id="{9E6A7413-A0D5-4FBF-97E1-006B12F77A13}" type="datetimeFigureOut">
               <a:rPr lang="en-US" smtClean="0"/>
-              <a:t>11/20/2017</a:t>
+              <a:t>11/24/2017</a:t>
             </a:fld>
             <a:endParaRPr lang="en-US"/>
           </a:p>
@@ -427,7 +427,7 @@
           <a:p>
             <a:fld id="{9E6A7413-A0D5-4FBF-97E1-006B12F77A13}" type="datetimeFigureOut">
               <a:rPr lang="en-US" smtClean="0"/>
-              <a:t>11/20/2017</a:t>
+              <a:t>11/24/2017</a:t>
             </a:fld>
             <a:endParaRPr lang="en-US"/>
           </a:p>
@@ -607,7 +607,7 @@
           <a:p>
             <a:fld id="{9E6A7413-A0D5-4FBF-97E1-006B12F77A13}" type="datetimeFigureOut">
               <a:rPr lang="en-US" smtClean="0"/>
-              <a:t>11/20/2017</a:t>
+              <a:t>11/24/2017</a:t>
             </a:fld>
             <a:endParaRPr lang="en-US"/>
           </a:p>
@@ -777,7 +777,7 @@
           <a:p>
             <a:fld id="{9E6A7413-A0D5-4FBF-97E1-006B12F77A13}" type="datetimeFigureOut">
               <a:rPr lang="en-US" smtClean="0"/>
-              <a:t>11/20/2017</a:t>
+              <a:t>11/24/2017</a:t>
             </a:fld>
             <a:endParaRPr lang="en-US"/>
           </a:p>
@@ -1023,7 +1023,7 @@
           <a:p>
             <a:fld id="{9E6A7413-A0D5-4FBF-97E1-006B12F77A13}" type="datetimeFigureOut">
               <a:rPr lang="en-US" smtClean="0"/>
-              <a:t>11/20/2017</a:t>
+              <a:t>11/24/2017</a:t>
             </a:fld>
             <a:endParaRPr lang="en-US"/>
           </a:p>
@@ -1255,7 +1255,7 @@
           <a:p>
             <a:fld id="{9E6A7413-A0D5-4FBF-97E1-006B12F77A13}" type="datetimeFigureOut">
               <a:rPr lang="en-US" smtClean="0"/>
-              <a:t>11/20/2017</a:t>
+              <a:t>11/24/2017</a:t>
             </a:fld>
             <a:endParaRPr lang="en-US"/>
           </a:p>
@@ -1622,7 +1622,7 @@
           <a:p>
             <a:fld id="{9E6A7413-A0D5-4FBF-97E1-006B12F77A13}" type="datetimeFigureOut">
               <a:rPr lang="en-US" smtClean="0"/>
-              <a:t>11/20/2017</a:t>
+              <a:t>11/24/2017</a:t>
             </a:fld>
             <a:endParaRPr lang="en-US"/>
           </a:p>
@@ -1740,7 +1740,7 @@
           <a:p>
             <a:fld id="{9E6A7413-A0D5-4FBF-97E1-006B12F77A13}" type="datetimeFigureOut">
               <a:rPr lang="en-US" smtClean="0"/>
-              <a:t>11/20/2017</a:t>
+              <a:t>11/24/2017</a:t>
             </a:fld>
             <a:endParaRPr lang="en-US"/>
           </a:p>
@@ -1835,7 +1835,7 @@
           <a:p>
             <a:fld id="{9E6A7413-A0D5-4FBF-97E1-006B12F77A13}" type="datetimeFigureOut">
               <a:rPr lang="en-US" smtClean="0"/>
-              <a:t>11/20/2017</a:t>
+              <a:t>11/24/2017</a:t>
             </a:fld>
             <a:endParaRPr lang="en-US"/>
           </a:p>
@@ -2112,7 +2112,7 @@
           <a:p>
             <a:fld id="{9E6A7413-A0D5-4FBF-97E1-006B12F77A13}" type="datetimeFigureOut">
               <a:rPr lang="en-US" smtClean="0"/>
-              <a:t>11/20/2017</a:t>
+              <a:t>11/24/2017</a:t>
             </a:fld>
             <a:endParaRPr lang="en-US"/>
           </a:p>
@@ -2365,7 +2365,7 @@
           <a:p>
             <a:fld id="{9E6A7413-A0D5-4FBF-97E1-006B12F77A13}" type="datetimeFigureOut">
               <a:rPr lang="en-US" smtClean="0"/>
-              <a:t>11/20/2017</a:t>
+              <a:t>11/24/2017</a:t>
             </a:fld>
             <a:endParaRPr lang="en-US"/>
           </a:p>
@@ -2578,7 +2578,7 @@
           <a:p>
             <a:fld id="{9E6A7413-A0D5-4FBF-97E1-006B12F77A13}" type="datetimeFigureOut">
               <a:rPr lang="en-US" smtClean="0"/>
-              <a:t>11/20/2017</a:t>
+              <a:t>11/24/2017</a:t>
             </a:fld>
             <a:endParaRPr lang="en-US"/>
           </a:p>
@@ -4436,6 +4436,30 @@
           </a:p>
         </p:txBody>
       </p:sp>
+      <p:pic>
+        <p:nvPicPr>
+          <p:cNvPr id="2" name="Picture 1"/>
+          <p:cNvPicPr>
+            <a:picLocks noChangeAspect="1"/>
+          </p:cNvPicPr>
+          <p:nvPr/>
+        </p:nvPicPr>
+        <p:blipFill>
+          <a:blip r:embed="rId2"/>
+          <a:stretch>
+            <a:fillRect/>
+          </a:stretch>
+        </p:blipFill>
+        <p:spPr>
+          <a:xfrm>
+            <a:off x="4210050" y="647700"/>
+            <a:ext cx="3771900" cy="5562600"/>
+          </a:xfrm>
+          <a:prstGeom prst="rect">
+            <a:avLst/>
+          </a:prstGeom>
+        </p:spPr>
+      </p:pic>
     </p:spTree>
     <p:extLst>
       <p:ext uri="{BB962C8B-B14F-4D97-AF65-F5344CB8AC3E}">
